--- a/front/docs/bfban 流程图.pptx.pptx
+++ b/front/docs/bfban 流程图.pptx.pptx
@@ -2615,11 +2615,7 @@
   <p:cSld>
     <p:bg>
       <p:bgPr>
-        <a:solidFill>
-          <a:schemeClr val="accent1">
-            <a:alpha val="9000"/>
-          </a:schemeClr>
-        </a:solidFill>
+        <a:noFill/>
         <a:effectLst/>
       </p:bgPr>
     </p:bg>
